--- a/assets/slide_deck.pptx
+++ b/assets/slide_deck.pptx
@@ -110,6 +110,11 @@
       </a:defRPr>
     </a:lvl9pPr>
   </p:defaultTextStyle>
+  <p:extLst>
+    <p:ext uri="{EFAFB233-063F-42B5-8137-9DF3F51BA10A}">
+      <p15:sldGuideLst xmlns:p15="http://schemas.microsoft.com/office/powerpoint/2012/main"/>
+    </p:ext>
+  </p:extLst>
 </p:presentation>
 </file>
 
@@ -3960,10 +3965,10 @@
       </p:grpSpPr>
       <p:pic>
         <p:nvPicPr>
-          <p:cNvPr id="14" name="Picture 13">
+          <p:cNvPr id="4" name="Picture 3">
             <a:extLst>
               <a:ext uri="{FF2B5EF4-FFF2-40B4-BE49-F238E27FC236}">
-                <a16:creationId xmlns:a16="http://schemas.microsoft.com/office/drawing/2014/main" id="{EFB682EE-8882-8E6A-520D-E422B86865BE}"/>
+                <a16:creationId xmlns:a16="http://schemas.microsoft.com/office/drawing/2014/main" id="{7F8F53E9-F55D-A7B6-A4CA-582CCC03A2C1}"/>
               </a:ext>
             </a:extLst>
           </p:cNvPr>
@@ -3974,6 +3979,7 @@
         </p:nvPicPr>
         <p:blipFill>
           <a:blip r:embed="rId2"/>
+          <a:srcRect t="632"/>
           <a:stretch>
             <a:fillRect/>
           </a:stretch>
@@ -3981,7 +3987,7 @@
         <p:spPr>
           <a:xfrm>
             <a:off x="0" y="1027906"/>
-            <a:ext cx="12192000" cy="5820496"/>
+            <a:ext cx="12192000" cy="5854992"/>
           </a:xfrm>
           <a:prstGeom prst="rect">
             <a:avLst/>
@@ -4034,7 +4040,7 @@
         </p:nvSpPr>
         <p:spPr>
           <a:xfrm>
-            <a:off x="2220287" y="2602838"/>
+            <a:off x="2128008" y="2439252"/>
             <a:ext cx="682304" cy="364921"/>
           </a:xfrm>
           <a:prstGeom prst="rect">
@@ -4091,7 +4097,7 @@
         </p:nvCxnSpPr>
         <p:spPr>
           <a:xfrm>
-            <a:off x="9378892" y="5075338"/>
+            <a:off x="8682606" y="5079534"/>
             <a:ext cx="0" cy="304037"/>
           </a:xfrm>
           <a:prstGeom prst="straightConnector1">
@@ -4134,7 +4140,7 @@
         </p:nvSpPr>
         <p:spPr>
           <a:xfrm>
-            <a:off x="7462011" y="4714614"/>
+            <a:off x="6765725" y="4752365"/>
             <a:ext cx="1916881" cy="237142"/>
           </a:xfrm>
           <a:prstGeom prst="rect">
@@ -4182,7 +4188,7 @@
         </p:nvSpPr>
         <p:spPr>
           <a:xfrm>
-            <a:off x="307654" y="2875480"/>
+            <a:off x="391544" y="2378432"/>
             <a:ext cx="1170264" cy="243281"/>
           </a:xfrm>
           <a:prstGeom prst="rect">

--- a/assets/slide_deck.pptx
+++ b/assets/slide_deck.pptx
@@ -12,6 +12,7 @@
     <p:sldId id="260" r:id="rId6"/>
     <p:sldId id="261" r:id="rId7"/>
     <p:sldId id="262" r:id="rId8"/>
+    <p:sldId id="263" r:id="rId9"/>
   </p:sldIdLst>
   <p:sldSz cx="12192000" cy="6858000"/>
   <p:notesSz cx="6858000" cy="9144000"/>
@@ -3744,7 +3745,7 @@
         <p:spPr>
           <a:xfrm>
             <a:off x="599814" y="1386586"/>
-            <a:ext cx="1170264" cy="243281"/>
+            <a:ext cx="1581324" cy="243281"/>
           </a:xfrm>
           <a:prstGeom prst="rect">
             <a:avLst/>
@@ -3771,7 +3772,7 @@
           <a:p>
             <a:pPr algn="ctr"/>
             <a:r>
-              <a:rPr lang="en-US" sz="1100" dirty="0"/>
+              <a:rPr lang="en-US" sz="1400" dirty="0"/>
               <a:t>HAM gap to VER</a:t>
             </a:r>
           </a:p>
@@ -3791,8 +3792,8 @@
         </p:nvSpPr>
         <p:spPr>
           <a:xfrm>
-            <a:off x="7706687" y="2441196"/>
-            <a:ext cx="682304" cy="364921"/>
+            <a:off x="7824133" y="2323750"/>
+            <a:ext cx="933974" cy="515923"/>
           </a:xfrm>
           <a:prstGeom prst="rect">
             <a:avLst/>
@@ -3819,14 +3820,14 @@
           <a:p>
             <a:pPr algn="ctr"/>
             <a:r>
-              <a:rPr lang="en-US" sz="1100" dirty="0"/>
+              <a:rPr lang="en-US" sz="1400" dirty="0"/>
               <a:t>HAM </a:t>
             </a:r>
           </a:p>
           <a:p>
             <a:pPr algn="ctr"/>
             <a:r>
-              <a:rPr lang="en-US" sz="1100" dirty="0"/>
+              <a:rPr lang="en-US" sz="1400" dirty="0"/>
               <a:t>pit stop</a:t>
             </a:r>
           </a:p>
@@ -3846,8 +3847,8 @@
         </p:nvSpPr>
         <p:spPr>
           <a:xfrm>
-            <a:off x="3804409" y="1264946"/>
-            <a:ext cx="1270932" cy="364921"/>
+            <a:off x="4290971" y="1974405"/>
+            <a:ext cx="1019261" cy="698689"/>
           </a:xfrm>
           <a:prstGeom prst="rect">
             <a:avLst/>
@@ -3874,15 +3875,22 @@
           <a:p>
             <a:pPr algn="ctr"/>
             <a:r>
-              <a:rPr lang="en-US" sz="1100" dirty="0"/>
+              <a:rPr lang="en-US" sz="1400" dirty="0"/>
               <a:t>VER </a:t>
             </a:r>
           </a:p>
           <a:p>
             <a:pPr algn="ctr"/>
             <a:r>
-              <a:rPr lang="en-US" sz="1100" dirty="0"/>
-              <a:t>undercut pit stop</a:t>
+              <a:rPr lang="en-US" sz="1400" dirty="0"/>
+              <a:t>undercut </a:t>
+            </a:r>
+          </a:p>
+          <a:p>
+            <a:pPr algn="ctr"/>
+            <a:r>
+              <a:rPr lang="en-US" sz="1400" dirty="0"/>
+              <a:t>pit stop</a:t>
             </a:r>
           </a:p>
         </p:txBody>
@@ -3930,6 +3938,54 @@
           <a:p>
             <a:pPr algn="ctr"/>
             <a:endParaRPr lang="en-US"/>
+          </a:p>
+        </p:txBody>
+      </p:sp>
+      <p:sp>
+        <p:nvSpPr>
+          <p:cNvPr id="3" name="Rectangle 2">
+            <a:extLst>
+              <a:ext uri="{FF2B5EF4-FFF2-40B4-BE49-F238E27FC236}">
+                <a16:creationId xmlns:a16="http://schemas.microsoft.com/office/drawing/2014/main" id="{27D7265A-42B2-87F2-6203-22806D6E89BE}"/>
+              </a:ext>
+            </a:extLst>
+          </p:cNvPr>
+          <p:cNvSpPr/>
+          <p:nvPr/>
+        </p:nvSpPr>
+        <p:spPr>
+          <a:xfrm>
+            <a:off x="9055916" y="1040235"/>
+            <a:ext cx="1195431" cy="515923"/>
+          </a:xfrm>
+          <a:prstGeom prst="rect">
+            <a:avLst/>
+          </a:prstGeom>
+          <a:ln/>
+        </p:spPr>
+        <p:style>
+          <a:lnRef idx="2">
+            <a:schemeClr val="dk1"/>
+          </a:lnRef>
+          <a:fillRef idx="1">
+            <a:schemeClr val="lt1"/>
+          </a:fillRef>
+          <a:effectRef idx="0">
+            <a:schemeClr val="dk1"/>
+          </a:effectRef>
+          <a:fontRef idx="minor">
+            <a:schemeClr val="dk1"/>
+          </a:fontRef>
+        </p:style>
+        <p:txBody>
+          <a:bodyPr rtlCol="0" anchor="ctr"/>
+          <a:lstStyle/>
+          <a:p>
+            <a:pPr algn="ctr"/>
+            <a:r>
+              <a:rPr lang="en-US" sz="1400" dirty="0"/>
+              <a:t>VER regains lead</a:t>
+            </a:r>
           </a:p>
         </p:txBody>
       </p:sp>
@@ -4040,8 +4096,8 @@
         </p:nvSpPr>
         <p:spPr>
           <a:xfrm>
-            <a:off x="2128008" y="2439252"/>
-            <a:ext cx="682304" cy="364921"/>
+            <a:off x="2128007" y="2353470"/>
+            <a:ext cx="992697" cy="450704"/>
           </a:xfrm>
           <a:prstGeom prst="rect">
             <a:avLst/>
@@ -4068,14 +4124,14 @@
           <a:p>
             <a:pPr algn="ctr"/>
             <a:r>
-              <a:rPr lang="en-US" sz="1100" dirty="0"/>
+              <a:rPr lang="en-US" sz="1400" dirty="0"/>
               <a:t>HAM </a:t>
             </a:r>
           </a:p>
           <a:p>
             <a:pPr algn="ctr"/>
             <a:r>
-              <a:rPr lang="en-US" sz="1100" dirty="0"/>
+              <a:rPr lang="en-US" sz="1400" dirty="0"/>
               <a:t>pit stop</a:t>
             </a:r>
           </a:p>
@@ -4140,8 +4196,8 @@
         </p:nvSpPr>
         <p:spPr>
           <a:xfrm>
-            <a:off x="6765725" y="4752365"/>
-            <a:ext cx="1916881" cy="237142"/>
+            <a:off x="7130647" y="4472278"/>
+            <a:ext cx="1551959" cy="551731"/>
           </a:xfrm>
           <a:prstGeom prst="rect">
             <a:avLst/>
@@ -4168,7 +4224,7 @@
           <a:p>
             <a:pPr algn="ctr"/>
             <a:r>
-              <a:rPr lang="en-US" sz="1100" dirty="0"/>
+              <a:rPr lang="en-US" sz="1400" dirty="0"/>
               <a:t>Growing lap time difference</a:t>
             </a:r>
           </a:p>
@@ -4188,8 +4244,8 @@
         </p:nvSpPr>
         <p:spPr>
           <a:xfrm>
-            <a:off x="391544" y="2378432"/>
-            <a:ext cx="1170264" cy="243281"/>
+            <a:off x="385894" y="2838201"/>
+            <a:ext cx="1561808" cy="243281"/>
           </a:xfrm>
           <a:prstGeom prst="rect">
             <a:avLst/>
@@ -4216,7 +4272,7 @@
           <a:p>
             <a:pPr algn="ctr"/>
             <a:r>
-              <a:rPr lang="en-US" sz="1100" dirty="0"/>
+              <a:rPr lang="en-US" sz="1400" dirty="0"/>
               <a:t>HAM gap to VER</a:t>
             </a:r>
           </a:p>
@@ -4265,6 +4321,116 @@
           <a:p>
             <a:pPr algn="ctr"/>
             <a:endParaRPr lang="en-US"/>
+          </a:p>
+        </p:txBody>
+      </p:sp>
+      <p:sp>
+        <p:nvSpPr>
+          <p:cNvPr id="3" name="Rectangle 2">
+            <a:extLst>
+              <a:ext uri="{FF2B5EF4-FFF2-40B4-BE49-F238E27FC236}">
+                <a16:creationId xmlns:a16="http://schemas.microsoft.com/office/drawing/2014/main" id="{96D1DEF0-8CFC-9C52-401A-68182CFB4702}"/>
+              </a:ext>
+            </a:extLst>
+          </p:cNvPr>
+          <p:cNvSpPr/>
+          <p:nvPr/>
+        </p:nvSpPr>
+        <p:spPr>
+          <a:xfrm>
+            <a:off x="8783273" y="1848391"/>
+            <a:ext cx="1352025" cy="450704"/>
+          </a:xfrm>
+          <a:prstGeom prst="rect">
+            <a:avLst/>
+          </a:prstGeom>
+          <a:ln/>
+        </p:spPr>
+        <p:style>
+          <a:lnRef idx="2">
+            <a:schemeClr val="dk1"/>
+          </a:lnRef>
+          <a:fillRef idx="1">
+            <a:schemeClr val="lt1"/>
+          </a:fillRef>
+          <a:effectRef idx="0">
+            <a:schemeClr val="dk1"/>
+          </a:effectRef>
+          <a:fontRef idx="minor">
+            <a:schemeClr val="dk1"/>
+          </a:fontRef>
+        </p:style>
+        <p:txBody>
+          <a:bodyPr rtlCol="0" anchor="ctr"/>
+          <a:lstStyle/>
+          <a:p>
+            <a:pPr algn="ctr"/>
+            <a:r>
+              <a:rPr lang="en-US" sz="1400" dirty="0"/>
+              <a:t>HAM </a:t>
+            </a:r>
+          </a:p>
+          <a:p>
+            <a:pPr algn="ctr"/>
+            <a:r>
+              <a:rPr lang="en-US" sz="1400" dirty="0"/>
+              <a:t>overtakes VER</a:t>
+            </a:r>
+          </a:p>
+        </p:txBody>
+      </p:sp>
+      <p:sp>
+        <p:nvSpPr>
+          <p:cNvPr id="5" name="Rectangle 4">
+            <a:extLst>
+              <a:ext uri="{FF2B5EF4-FFF2-40B4-BE49-F238E27FC236}">
+                <a16:creationId xmlns:a16="http://schemas.microsoft.com/office/drawing/2014/main" id="{A3EFBA8A-610D-81D2-55D4-F34B14144989}"/>
+              </a:ext>
+            </a:extLst>
+          </p:cNvPr>
+          <p:cNvSpPr/>
+          <p:nvPr/>
+        </p:nvSpPr>
+        <p:spPr>
+          <a:xfrm>
+            <a:off x="10135298" y="5006200"/>
+            <a:ext cx="1034642" cy="450704"/>
+          </a:xfrm>
+          <a:prstGeom prst="rect">
+            <a:avLst/>
+          </a:prstGeom>
+          <a:ln/>
+        </p:spPr>
+        <p:style>
+          <a:lnRef idx="2">
+            <a:schemeClr val="dk1"/>
+          </a:lnRef>
+          <a:fillRef idx="1">
+            <a:schemeClr val="lt1"/>
+          </a:fillRef>
+          <a:effectRef idx="0">
+            <a:schemeClr val="dk1"/>
+          </a:effectRef>
+          <a:fontRef idx="minor">
+            <a:schemeClr val="dk1"/>
+          </a:fontRef>
+        </p:style>
+        <p:txBody>
+          <a:bodyPr rtlCol="0" anchor="ctr"/>
+          <a:lstStyle/>
+          <a:p>
+            <a:pPr algn="ctr"/>
+            <a:r>
+              <a:rPr lang="en-US" sz="1400" dirty="0"/>
+              <a:t>HAM </a:t>
+            </a:r>
+          </a:p>
+          <a:p>
+            <a:pPr algn="ctr"/>
+            <a:r>
+              <a:rPr lang="en-US" sz="1400" dirty="0"/>
+              <a:t>finishes P1</a:t>
+            </a:r>
           </a:p>
         </p:txBody>
       </p:sp>
@@ -4375,8 +4541,8 @@
         </p:nvSpPr>
         <p:spPr>
           <a:xfrm>
-            <a:off x="509602" y="1971411"/>
-            <a:ext cx="1417740" cy="440424"/>
+            <a:off x="509601" y="1971411"/>
+            <a:ext cx="1700897" cy="440424"/>
           </a:xfrm>
           <a:prstGeom prst="rect">
             <a:avLst/>
@@ -4403,14 +4569,14 @@
           <a:p>
             <a:pPr algn="ctr"/>
             <a:r>
-              <a:rPr lang="en-US" sz="1100" b="1" dirty="0"/>
+              <a:rPr lang="en-US" sz="1400" b="1" dirty="0"/>
               <a:t>HAM gap to LEC</a:t>
             </a:r>
           </a:p>
           <a:p>
             <a:pPr algn="ctr"/>
             <a:r>
-              <a:rPr lang="en-US" sz="1100" b="1" dirty="0"/>
+              <a:rPr lang="en-US" sz="1400" b="1" dirty="0"/>
               <a:t>~40s</a:t>
             </a:r>
           </a:p>
@@ -4461,8 +4627,8 @@
         </p:nvSpPr>
         <p:spPr>
           <a:xfrm>
-            <a:off x="4106410" y="5448651"/>
-            <a:ext cx="1223393" cy="584910"/>
+            <a:off x="4106410" y="5368954"/>
+            <a:ext cx="1467734" cy="664607"/>
           </a:xfrm>
           <a:prstGeom prst="rect">
             <a:avLst/>
@@ -4489,7 +4655,7 @@
           <a:p>
             <a:pPr algn="ctr"/>
             <a:r>
-              <a:rPr lang="en-US" sz="1100" dirty="0"/>
+              <a:rPr lang="en-US" sz="1400" dirty="0"/>
               <a:t>HAM doesn’t lose position = “free pit stop”</a:t>
             </a:r>
           </a:p>
@@ -4857,6 +5023,98 @@
     <p:extLst>
       <p:ext uri="{BB962C8B-B14F-4D97-AF65-F5344CB8AC3E}">
         <p14:creationId xmlns:p14="http://schemas.microsoft.com/office/powerpoint/2010/main" val="2163098977"/>
+      </p:ext>
+    </p:extLst>
+  </p:cSld>
+  <p:clrMapOvr>
+    <a:masterClrMapping/>
+  </p:clrMapOvr>
+</p:sld>
+</file>
+
+<file path=ppt/slides/slide8.xml><?xml version="1.0" encoding="utf-8"?>
+<p:sld xmlns:a="http://schemas.openxmlformats.org/drawingml/2006/main" xmlns:r="http://schemas.openxmlformats.org/officeDocument/2006/relationships" xmlns:p="http://schemas.openxmlformats.org/presentationml/2006/main">
+  <p:cSld>
+    <p:spTree>
+      <p:nvGrpSpPr>
+        <p:cNvPr id="1" name=""/>
+        <p:cNvGrpSpPr/>
+        <p:nvPr/>
+      </p:nvGrpSpPr>
+      <p:grpSpPr>
+        <a:xfrm>
+          <a:off x="0" y="0"/>
+          <a:ext cx="0" cy="0"/>
+          <a:chOff x="0" y="0"/>
+          <a:chExt cx="0" cy="0"/>
+        </a:xfrm>
+      </p:grpSpPr>
+      <p:pic>
+        <p:nvPicPr>
+          <p:cNvPr id="3" name="Picture 2">
+            <a:extLst>
+              <a:ext uri="{FF2B5EF4-FFF2-40B4-BE49-F238E27FC236}">
+                <a16:creationId xmlns:a16="http://schemas.microsoft.com/office/drawing/2014/main" id="{D8276CAB-94C6-8737-9954-4D8ED8D98880}"/>
+              </a:ext>
+            </a:extLst>
+          </p:cNvPr>
+          <p:cNvPicPr>
+            <a:picLocks noChangeAspect="1"/>
+          </p:cNvPicPr>
+          <p:nvPr/>
+        </p:nvPicPr>
+        <p:blipFill>
+          <a:blip r:embed="rId2"/>
+          <a:srcRect b="7784"/>
+          <a:stretch>
+            <a:fillRect/>
+          </a:stretch>
+        </p:blipFill>
+        <p:spPr>
+          <a:xfrm>
+            <a:off x="3914470" y="1204602"/>
+            <a:ext cx="2484851" cy="2336457"/>
+          </a:xfrm>
+          <a:prstGeom prst="rect">
+            <a:avLst/>
+          </a:prstGeom>
+        </p:spPr>
+      </p:pic>
+      <p:pic>
+        <p:nvPicPr>
+          <p:cNvPr id="5" name="Picture 4">
+            <a:extLst>
+              <a:ext uri="{FF2B5EF4-FFF2-40B4-BE49-F238E27FC236}">
+                <a16:creationId xmlns:a16="http://schemas.microsoft.com/office/drawing/2014/main" id="{26180CE6-64E5-B9AD-FE7B-7811CEA6E1E1}"/>
+              </a:ext>
+            </a:extLst>
+          </p:cNvPr>
+          <p:cNvPicPr>
+            <a:picLocks noChangeAspect="1"/>
+          </p:cNvPicPr>
+          <p:nvPr/>
+        </p:nvPicPr>
+        <p:blipFill>
+          <a:blip r:embed="rId3"/>
+          <a:srcRect l="11198"/>
+          <a:stretch>
+            <a:fillRect/>
+          </a:stretch>
+        </p:blipFill>
+        <p:spPr>
+          <a:xfrm>
+            <a:off x="1555376" y="881429"/>
+            <a:ext cx="2115058" cy="1589654"/>
+          </a:xfrm>
+          <a:prstGeom prst="rect">
+            <a:avLst/>
+          </a:prstGeom>
+        </p:spPr>
+      </p:pic>
+    </p:spTree>
+    <p:extLst>
+      <p:ext uri="{BB962C8B-B14F-4D97-AF65-F5344CB8AC3E}">
+        <p14:creationId xmlns:p14="http://schemas.microsoft.com/office/powerpoint/2010/main" val="1111006882"/>
       </p:ext>
     </p:extLst>
   </p:cSld>
